--- a/Result/SKT과제 예측 결과_V2.pptx
+++ b/Result/SKT과제 예측 결과_V2.pptx
@@ -6,6 +6,7 @@
   </p:sldMasterIdLst>
   <p:sldIdLst>
     <p:sldId id="256" r:id="rId2"/>
+    <p:sldId id="257" r:id="rId3"/>
   </p:sldIdLst>
   <p:sldSz cx="12192000" cy="6858000"/>
   <p:notesSz cx="6858000" cy="9144000"/>
@@ -4231,6 +4232,1322 @@
 </p:sld>
 </file>
 
+<file path=ppt/slides/slide2.xml><?xml version="1.0" encoding="utf-8"?>
+<p:sld xmlns:a="http://schemas.openxmlformats.org/drawingml/2006/main" xmlns:r="http://schemas.openxmlformats.org/officeDocument/2006/relationships" xmlns:p="http://schemas.openxmlformats.org/presentationml/2006/main">
+  <p:cSld>
+    <p:spTree>
+      <p:nvGrpSpPr>
+        <p:cNvPr id="1" name=""/>
+        <p:cNvGrpSpPr/>
+        <p:nvPr/>
+      </p:nvGrpSpPr>
+      <p:grpSpPr>
+        <a:xfrm>
+          <a:off x="0" y="0"/>
+          <a:ext cx="0" cy="0"/>
+          <a:chOff x="0" y="0"/>
+          <a:chExt cx="0" cy="0"/>
+        </a:xfrm>
+      </p:grpSpPr>
+      <p:graphicFrame>
+        <p:nvGraphicFramePr>
+          <p:cNvPr id="5" name="표 4">
+            <a:extLst>
+              <a:ext uri="{FF2B5EF4-FFF2-40B4-BE49-F238E27FC236}">
+                <a16:creationId xmlns:a16="http://schemas.microsoft.com/office/drawing/2014/main" id="{5B5AA708-5E14-8B4B-DD86-FA3FFC644003}"/>
+              </a:ext>
+            </a:extLst>
+          </p:cNvPr>
+          <p:cNvGraphicFramePr>
+            <a:graphicFrameLocks noGrp="1"/>
+          </p:cNvGraphicFramePr>
+          <p:nvPr>
+            <p:extLst>
+              <p:ext uri="{D42A27DB-BD31-4B8C-83A1-F6EECF244321}">
+                <p14:modId xmlns:p14="http://schemas.microsoft.com/office/powerpoint/2010/main" val="1103749045"/>
+              </p:ext>
+            </p:extLst>
+          </p:nvPr>
+        </p:nvGraphicFramePr>
+        <p:xfrm>
+          <a:off x="528682" y="581025"/>
+          <a:ext cx="3784600" cy="3286125"/>
+        </p:xfrm>
+        <a:graphic>
+          <a:graphicData uri="http://schemas.openxmlformats.org/drawingml/2006/table">
+            <a:tbl>
+              <a:tblPr>
+                <a:tableStyleId>{5C22544A-7EE6-4342-B048-85BDC9FD1C3A}</a:tableStyleId>
+              </a:tblPr>
+              <a:tblGrid>
+                <a:gridCol w="762000">
+                  <a:extLst>
+                    <a:ext uri="{9D8B030D-6E8A-4147-A177-3AD203B41FA5}">
+                      <a16:colId xmlns:a16="http://schemas.microsoft.com/office/drawing/2014/main" val="1794766304"/>
+                    </a:ext>
+                  </a:extLst>
+                </a:gridCol>
+                <a:gridCol w="1511300">
+                  <a:extLst>
+                    <a:ext uri="{9D8B030D-6E8A-4147-A177-3AD203B41FA5}">
+                      <a16:colId xmlns:a16="http://schemas.microsoft.com/office/drawing/2014/main" val="1495976371"/>
+                    </a:ext>
+                  </a:extLst>
+                </a:gridCol>
+                <a:gridCol w="1511300">
+                  <a:extLst>
+                    <a:ext uri="{9D8B030D-6E8A-4147-A177-3AD203B41FA5}">
+                      <a16:colId xmlns:a16="http://schemas.microsoft.com/office/drawing/2014/main" val="365776973"/>
+                    </a:ext>
+                  </a:extLst>
+                </a:gridCol>
+              </a:tblGrid>
+              <a:tr h="219075">
+                <a:tc gridSpan="3">
+                  <a:txBody>
+                    <a:bodyPr/>
+                    <a:lstStyle/>
+                    <a:p>
+                      <a:pPr algn="ctr" fontAlgn="ctr"/>
+                      <a:r>
+                        <a:rPr lang="ko-KR" altLang="en-US" sz="1200" b="0" i="0" u="none" strike="noStrike" dirty="0">
+                          <a:solidFill>
+                            <a:srgbClr val="000000"/>
+                          </a:solidFill>
+                          <a:effectLst/>
+                          <a:latin typeface="맑은 고딕" panose="020B0503020000020004" pitchFamily="50" charset="-127"/>
+                          <a:ea typeface="맑은 고딕" panose="020B0503020000020004" pitchFamily="50" charset="-127"/>
+                        </a:rPr>
+                        <a:t>오차율 데이터</a:t>
+                      </a:r>
+                      <a:endParaRPr lang="en-US" altLang="ko-KR" sz="1200" b="0" i="0" u="none" strike="noStrike" dirty="0">
+                        <a:solidFill>
+                          <a:srgbClr val="000000"/>
+                        </a:solidFill>
+                        <a:effectLst/>
+                        <a:latin typeface="맑은 고딕" panose="020B0503020000020004" pitchFamily="50" charset="-127"/>
+                        <a:ea typeface="맑은 고딕" panose="020B0503020000020004" pitchFamily="50" charset="-127"/>
+                      </a:endParaRPr>
+                    </a:p>
+                  </a:txBody>
+                  <a:tcPr marL="9525" marR="9525" marT="9525" marB="0" anchor="ctr"/>
+                </a:tc>
+                <a:tc hMerge="1">
+                  <a:txBody>
+                    <a:bodyPr/>
+                    <a:lstStyle/>
+                    <a:p>
+                      <a:pPr algn="ctr" fontAlgn="ctr"/>
+                      <a:endParaRPr lang="en-US" altLang="ko-KR" sz="1200" b="0" i="0" u="none" strike="noStrike" dirty="0">
+                        <a:solidFill>
+                          <a:srgbClr val="000000"/>
+                        </a:solidFill>
+                        <a:effectLst/>
+                        <a:latin typeface="맑은 고딕" panose="020B0503020000020004" pitchFamily="50" charset="-127"/>
+                        <a:ea typeface="맑은 고딕" panose="020B0503020000020004" pitchFamily="50" charset="-127"/>
+                      </a:endParaRPr>
+                    </a:p>
+                  </a:txBody>
+                  <a:tcPr marL="9525" marR="9525" marT="9525" marB="0" anchor="ctr"/>
+                </a:tc>
+                <a:tc hMerge="1">
+                  <a:txBody>
+                    <a:bodyPr/>
+                    <a:lstStyle/>
+                    <a:p>
+                      <a:pPr algn="ctr" fontAlgn="ctr"/>
+                      <a:endParaRPr lang="en-US" altLang="ko-KR" sz="1200" b="0" i="0" u="none" strike="noStrike" dirty="0">
+                        <a:solidFill>
+                          <a:srgbClr val="000000"/>
+                        </a:solidFill>
+                        <a:effectLst/>
+                        <a:latin typeface="맑은 고딕" panose="020B0503020000020004" pitchFamily="50" charset="-127"/>
+                        <a:ea typeface="맑은 고딕" panose="020B0503020000020004" pitchFamily="50" charset="-127"/>
+                      </a:endParaRPr>
+                    </a:p>
+                  </a:txBody>
+                  <a:tcPr marL="9525" marR="9525" marT="9525" marB="0" anchor="ctr"/>
+                </a:tc>
+                <a:extLst>
+                  <a:ext uri="{0D108BD9-81ED-4DB2-BD59-A6C34878D82A}">
+                    <a16:rowId xmlns:a16="http://schemas.microsoft.com/office/drawing/2014/main" val="3360447657"/>
+                  </a:ext>
+                </a:extLst>
+              </a:tr>
+              <a:tr h="219075">
+                <a:tc>
+                  <a:txBody>
+                    <a:bodyPr/>
+                    <a:lstStyle/>
+                    <a:p>
+                      <a:pPr algn="r" fontAlgn="ctr"/>
+                      <a:endParaRPr lang="en-US" altLang="ko-KR" sz="1200" b="0" i="0" u="none" strike="noStrike" dirty="0">
+                        <a:solidFill>
+                          <a:srgbClr val="000000"/>
+                        </a:solidFill>
+                        <a:effectLst/>
+                        <a:latin typeface="맑은 고딕" panose="020B0503020000020004" pitchFamily="50" charset="-127"/>
+                        <a:ea typeface="맑은 고딕" panose="020B0503020000020004" pitchFamily="50" charset="-127"/>
+                      </a:endParaRPr>
+                    </a:p>
+                  </a:txBody>
+                  <a:tcPr marL="9525" marR="9525" marT="9525" marB="0" anchor="ctr"/>
+                </a:tc>
+                <a:tc>
+                  <a:txBody>
+                    <a:bodyPr/>
+                    <a:lstStyle/>
+                    <a:p>
+                      <a:pPr algn="ctr" fontAlgn="ctr"/>
+                      <a:r>
+                        <a:rPr lang="ko-KR" altLang="en-US" sz="1200" b="0" i="0" u="none" strike="noStrike" dirty="0">
+                          <a:solidFill>
+                            <a:srgbClr val="000000"/>
+                          </a:solidFill>
+                          <a:effectLst/>
+                          <a:latin typeface="맑은 고딕" panose="020B0503020000020004" pitchFamily="50" charset="-127"/>
+                          <a:ea typeface="맑은 고딕" panose="020B0503020000020004" pitchFamily="50" charset="-127"/>
+                        </a:rPr>
+                        <a:t>월별 </a:t>
+                      </a:r>
+                      <a:r>
+                        <a:rPr lang="ko-KR" altLang="en-US" sz="1200" b="0" i="0" u="none" strike="noStrike" dirty="0" err="1">
+                          <a:solidFill>
+                            <a:srgbClr val="000000"/>
+                          </a:solidFill>
+                          <a:effectLst/>
+                          <a:latin typeface="맑은 고딕" panose="020B0503020000020004" pitchFamily="50" charset="-127"/>
+                          <a:ea typeface="맑은 고딕" panose="020B0503020000020004" pitchFamily="50" charset="-127"/>
+                        </a:rPr>
+                        <a:t>충전량</a:t>
+                      </a:r>
+                      <a:endParaRPr lang="en-US" altLang="ko-KR" sz="1200" b="0" i="0" u="none" strike="noStrike" dirty="0">
+                        <a:solidFill>
+                          <a:srgbClr val="000000"/>
+                        </a:solidFill>
+                        <a:effectLst/>
+                        <a:latin typeface="맑은 고딕" panose="020B0503020000020004" pitchFamily="50" charset="-127"/>
+                        <a:ea typeface="맑은 고딕" panose="020B0503020000020004" pitchFamily="50" charset="-127"/>
+                      </a:endParaRPr>
+                    </a:p>
+                  </a:txBody>
+                  <a:tcPr marL="9525" marR="9525" marT="9525" marB="0" anchor="ctr"/>
+                </a:tc>
+                <a:tc>
+                  <a:txBody>
+                    <a:bodyPr/>
+                    <a:lstStyle/>
+                    <a:p>
+                      <a:pPr algn="ctr" fontAlgn="ctr"/>
+                      <a:r>
+                        <a:rPr lang="ko-KR" altLang="en-US" sz="1200" b="0" i="0" u="none" strike="noStrike" dirty="0">
+                          <a:solidFill>
+                            <a:srgbClr val="000000"/>
+                          </a:solidFill>
+                          <a:effectLst/>
+                          <a:latin typeface="맑은 고딕" panose="020B0503020000020004" pitchFamily="50" charset="-127"/>
+                          <a:ea typeface="맑은 고딕" panose="020B0503020000020004" pitchFamily="50" charset="-127"/>
+                        </a:rPr>
+                        <a:t>오차율</a:t>
+                      </a:r>
+                      <a:endParaRPr lang="en-US" altLang="ko-KR" sz="1200" b="0" i="0" u="none" strike="noStrike" dirty="0">
+                        <a:solidFill>
+                          <a:srgbClr val="000000"/>
+                        </a:solidFill>
+                        <a:effectLst/>
+                        <a:latin typeface="맑은 고딕" panose="020B0503020000020004" pitchFamily="50" charset="-127"/>
+                        <a:ea typeface="맑은 고딕" panose="020B0503020000020004" pitchFamily="50" charset="-127"/>
+                      </a:endParaRPr>
+                    </a:p>
+                  </a:txBody>
+                  <a:tcPr marL="9525" marR="9525" marT="9525" marB="0" anchor="ctr"/>
+                </a:tc>
+                <a:extLst>
+                  <a:ext uri="{0D108BD9-81ED-4DB2-BD59-A6C34878D82A}">
+                    <a16:rowId xmlns:a16="http://schemas.microsoft.com/office/drawing/2014/main" val="2220647004"/>
+                  </a:ext>
+                </a:extLst>
+              </a:tr>
+              <a:tr h="219075">
+                <a:tc>
+                  <a:txBody>
+                    <a:bodyPr/>
+                    <a:lstStyle/>
+                    <a:p>
+                      <a:pPr algn="r" fontAlgn="ctr"/>
+                      <a:r>
+                        <a:rPr lang="en-US" altLang="ko-KR" sz="1200" u="none" strike="noStrike" dirty="0">
+                          <a:effectLst/>
+                        </a:rPr>
+                        <a:t>1</a:t>
+                      </a:r>
+                      <a:endParaRPr lang="en-US" altLang="ko-KR" sz="1200" b="0" i="0" u="none" strike="noStrike" dirty="0">
+                        <a:solidFill>
+                          <a:srgbClr val="000000"/>
+                        </a:solidFill>
+                        <a:effectLst/>
+                        <a:latin typeface="맑은 고딕" panose="020B0503020000020004" pitchFamily="50" charset="-127"/>
+                        <a:ea typeface="맑은 고딕" panose="020B0503020000020004" pitchFamily="50" charset="-127"/>
+                      </a:endParaRPr>
+                    </a:p>
+                  </a:txBody>
+                  <a:tcPr marL="9525" marR="9525" marT="9525" marB="0" anchor="ctr"/>
+                </a:tc>
+                <a:tc>
+                  <a:txBody>
+                    <a:bodyPr/>
+                    <a:lstStyle/>
+                    <a:p>
+                      <a:pPr algn="ctr" fontAlgn="ctr"/>
+                      <a:r>
+                        <a:rPr lang="en-US" altLang="ko-KR" sz="1200" u="none" strike="noStrike" dirty="0">
+                          <a:effectLst/>
+                        </a:rPr>
+                        <a:t>900000</a:t>
+                      </a:r>
+                      <a:endParaRPr lang="en-US" altLang="ko-KR" sz="1200" b="0" i="0" u="none" strike="noStrike" dirty="0">
+                        <a:solidFill>
+                          <a:srgbClr val="000000"/>
+                        </a:solidFill>
+                        <a:effectLst/>
+                        <a:latin typeface="맑은 고딕" panose="020B0503020000020004" pitchFamily="50" charset="-127"/>
+                        <a:ea typeface="맑은 고딕" panose="020B0503020000020004" pitchFamily="50" charset="-127"/>
+                      </a:endParaRPr>
+                    </a:p>
+                  </a:txBody>
+                  <a:tcPr marL="9525" marR="9525" marT="9525" marB="0" anchor="ctr"/>
+                </a:tc>
+                <a:tc>
+                  <a:txBody>
+                    <a:bodyPr/>
+                    <a:lstStyle/>
+                    <a:p>
+                      <a:pPr algn="ctr" fontAlgn="ctr"/>
+                      <a:r>
+                        <a:rPr lang="en-US" altLang="ko-KR" sz="1200" u="none" strike="noStrike" dirty="0">
+                          <a:effectLst/>
+                        </a:rPr>
+                        <a:t>6.5211</a:t>
+                      </a:r>
+                      <a:endParaRPr lang="en-US" altLang="ko-KR" sz="1200" b="0" i="0" u="none" strike="noStrike" dirty="0">
+                        <a:solidFill>
+                          <a:srgbClr val="000000"/>
+                        </a:solidFill>
+                        <a:effectLst/>
+                        <a:latin typeface="맑은 고딕" panose="020B0503020000020004" pitchFamily="50" charset="-127"/>
+                        <a:ea typeface="맑은 고딕" panose="020B0503020000020004" pitchFamily="50" charset="-127"/>
+                      </a:endParaRPr>
+                    </a:p>
+                  </a:txBody>
+                  <a:tcPr marL="9525" marR="9525" marT="9525" marB="0" anchor="ctr"/>
+                </a:tc>
+                <a:extLst>
+                  <a:ext uri="{0D108BD9-81ED-4DB2-BD59-A6C34878D82A}">
+                    <a16:rowId xmlns:a16="http://schemas.microsoft.com/office/drawing/2014/main" val="201263193"/>
+                  </a:ext>
+                </a:extLst>
+              </a:tr>
+              <a:tr h="219075">
+                <a:tc>
+                  <a:txBody>
+                    <a:bodyPr/>
+                    <a:lstStyle/>
+                    <a:p>
+                      <a:pPr algn="r" fontAlgn="ctr"/>
+                      <a:r>
+                        <a:rPr lang="en-US" altLang="ko-KR" sz="1200" u="none" strike="noStrike">
+                          <a:effectLst/>
+                        </a:rPr>
+                        <a:t>2</a:t>
+                      </a:r>
+                      <a:endParaRPr lang="en-US" altLang="ko-KR" sz="1200" b="0" i="0" u="none" strike="noStrike">
+                        <a:solidFill>
+                          <a:srgbClr val="000000"/>
+                        </a:solidFill>
+                        <a:effectLst/>
+                        <a:latin typeface="맑은 고딕" panose="020B0503020000020004" pitchFamily="50" charset="-127"/>
+                        <a:ea typeface="맑은 고딕" panose="020B0503020000020004" pitchFamily="50" charset="-127"/>
+                      </a:endParaRPr>
+                    </a:p>
+                  </a:txBody>
+                  <a:tcPr marL="9525" marR="9525" marT="9525" marB="0" anchor="ctr"/>
+                </a:tc>
+                <a:tc>
+                  <a:txBody>
+                    <a:bodyPr/>
+                    <a:lstStyle/>
+                    <a:p>
+                      <a:pPr algn="ctr" fontAlgn="ctr"/>
+                      <a:r>
+                        <a:rPr lang="en-US" altLang="ko-KR" sz="1200" u="none" strike="noStrike">
+                          <a:effectLst/>
+                        </a:rPr>
+                        <a:t>600000</a:t>
+                      </a:r>
+                      <a:endParaRPr lang="en-US" altLang="ko-KR" sz="1200" b="0" i="0" u="none" strike="noStrike">
+                        <a:solidFill>
+                          <a:srgbClr val="000000"/>
+                        </a:solidFill>
+                        <a:effectLst/>
+                        <a:latin typeface="맑은 고딕" panose="020B0503020000020004" pitchFamily="50" charset="-127"/>
+                        <a:ea typeface="맑은 고딕" panose="020B0503020000020004" pitchFamily="50" charset="-127"/>
+                      </a:endParaRPr>
+                    </a:p>
+                  </a:txBody>
+                  <a:tcPr marL="9525" marR="9525" marT="9525" marB="0" anchor="ctr"/>
+                </a:tc>
+                <a:tc>
+                  <a:txBody>
+                    <a:bodyPr/>
+                    <a:lstStyle/>
+                    <a:p>
+                      <a:pPr algn="ctr" fontAlgn="ctr"/>
+                      <a:r>
+                        <a:rPr lang="en-US" altLang="ko-KR" sz="1200" u="none" strike="noStrike">
+                          <a:effectLst/>
+                        </a:rPr>
+                        <a:t>6.73</a:t>
+                      </a:r>
+                      <a:endParaRPr lang="en-US" altLang="ko-KR" sz="1200" b="0" i="0" u="none" strike="noStrike">
+                        <a:solidFill>
+                          <a:srgbClr val="000000"/>
+                        </a:solidFill>
+                        <a:effectLst/>
+                        <a:latin typeface="맑은 고딕" panose="020B0503020000020004" pitchFamily="50" charset="-127"/>
+                        <a:ea typeface="맑은 고딕" panose="020B0503020000020004" pitchFamily="50" charset="-127"/>
+                      </a:endParaRPr>
+                    </a:p>
+                  </a:txBody>
+                  <a:tcPr marL="9525" marR="9525" marT="9525" marB="0" anchor="ctr"/>
+                </a:tc>
+                <a:extLst>
+                  <a:ext uri="{0D108BD9-81ED-4DB2-BD59-A6C34878D82A}">
+                    <a16:rowId xmlns:a16="http://schemas.microsoft.com/office/drawing/2014/main" val="3215572236"/>
+                  </a:ext>
+                </a:extLst>
+              </a:tr>
+              <a:tr h="219075">
+                <a:tc>
+                  <a:txBody>
+                    <a:bodyPr/>
+                    <a:lstStyle/>
+                    <a:p>
+                      <a:pPr algn="r" fontAlgn="ctr"/>
+                      <a:r>
+                        <a:rPr lang="en-US" altLang="ko-KR" sz="1200" u="none" strike="noStrike">
+                          <a:effectLst/>
+                        </a:rPr>
+                        <a:t>3</a:t>
+                      </a:r>
+                      <a:endParaRPr lang="en-US" altLang="ko-KR" sz="1200" b="0" i="0" u="none" strike="noStrike">
+                        <a:solidFill>
+                          <a:srgbClr val="000000"/>
+                        </a:solidFill>
+                        <a:effectLst/>
+                        <a:latin typeface="맑은 고딕" panose="020B0503020000020004" pitchFamily="50" charset="-127"/>
+                        <a:ea typeface="맑은 고딕" panose="020B0503020000020004" pitchFamily="50" charset="-127"/>
+                      </a:endParaRPr>
+                    </a:p>
+                  </a:txBody>
+                  <a:tcPr marL="9525" marR="9525" marT="9525" marB="0" anchor="ctr"/>
+                </a:tc>
+                <a:tc>
+                  <a:txBody>
+                    <a:bodyPr/>
+                    <a:lstStyle/>
+                    <a:p>
+                      <a:pPr algn="ctr" fontAlgn="ctr"/>
+                      <a:r>
+                        <a:rPr lang="en-US" altLang="ko-KR" sz="1200" u="none" strike="noStrike" dirty="0">
+                          <a:effectLst/>
+                        </a:rPr>
+                        <a:t>300000</a:t>
+                      </a:r>
+                      <a:endParaRPr lang="en-US" altLang="ko-KR" sz="1200" b="0" i="0" u="none" strike="noStrike" dirty="0">
+                        <a:solidFill>
+                          <a:srgbClr val="000000"/>
+                        </a:solidFill>
+                        <a:effectLst/>
+                        <a:latin typeface="맑은 고딕" panose="020B0503020000020004" pitchFamily="50" charset="-127"/>
+                        <a:ea typeface="맑은 고딕" panose="020B0503020000020004" pitchFamily="50" charset="-127"/>
+                      </a:endParaRPr>
+                    </a:p>
+                  </a:txBody>
+                  <a:tcPr marL="9525" marR="9525" marT="9525" marB="0" anchor="ctr"/>
+                </a:tc>
+                <a:tc>
+                  <a:txBody>
+                    <a:bodyPr/>
+                    <a:lstStyle/>
+                    <a:p>
+                      <a:pPr algn="ctr" rtl="0" fontAlgn="ctr"/>
+                      <a:r>
+                        <a:rPr lang="en-US" altLang="ko-KR" sz="1200" u="none" strike="noStrike">
+                          <a:effectLst/>
+                        </a:rPr>
+                        <a:t>7.5372</a:t>
+                      </a:r>
+                      <a:endParaRPr lang="en-US" altLang="ko-KR" sz="1200" b="0" i="0" u="none" strike="noStrike">
+                        <a:solidFill>
+                          <a:srgbClr val="000000"/>
+                        </a:solidFill>
+                        <a:effectLst/>
+                        <a:latin typeface="맑은 고딕" panose="020B0503020000020004" pitchFamily="50" charset="-127"/>
+                        <a:ea typeface="맑은 고딕" panose="020B0503020000020004" pitchFamily="50" charset="-127"/>
+                      </a:endParaRPr>
+                    </a:p>
+                  </a:txBody>
+                  <a:tcPr marL="9525" marR="9525" marT="9525" marB="0" anchor="ctr"/>
+                </a:tc>
+                <a:extLst>
+                  <a:ext uri="{0D108BD9-81ED-4DB2-BD59-A6C34878D82A}">
+                    <a16:rowId xmlns:a16="http://schemas.microsoft.com/office/drawing/2014/main" val="1987476854"/>
+                  </a:ext>
+                </a:extLst>
+              </a:tr>
+              <a:tr h="219075">
+                <a:tc>
+                  <a:txBody>
+                    <a:bodyPr/>
+                    <a:lstStyle/>
+                    <a:p>
+                      <a:pPr algn="r" fontAlgn="ctr"/>
+                      <a:r>
+                        <a:rPr lang="en-US" altLang="ko-KR" sz="1200" u="none" strike="noStrike">
+                          <a:effectLst/>
+                        </a:rPr>
+                        <a:t>4</a:t>
+                      </a:r>
+                      <a:endParaRPr lang="en-US" altLang="ko-KR" sz="1200" b="0" i="0" u="none" strike="noStrike">
+                        <a:solidFill>
+                          <a:srgbClr val="000000"/>
+                        </a:solidFill>
+                        <a:effectLst/>
+                        <a:latin typeface="맑은 고딕" panose="020B0503020000020004" pitchFamily="50" charset="-127"/>
+                        <a:ea typeface="맑은 고딕" panose="020B0503020000020004" pitchFamily="50" charset="-127"/>
+                      </a:endParaRPr>
+                    </a:p>
+                  </a:txBody>
+                  <a:tcPr marL="9525" marR="9525" marT="9525" marB="0" anchor="ctr"/>
+                </a:tc>
+                <a:tc>
+                  <a:txBody>
+                    <a:bodyPr/>
+                    <a:lstStyle/>
+                    <a:p>
+                      <a:pPr algn="ctr" fontAlgn="ctr"/>
+                      <a:r>
+                        <a:rPr lang="en-US" altLang="ko-KR" sz="1200" u="none" strike="noStrike">
+                          <a:effectLst/>
+                        </a:rPr>
+                        <a:t>210000</a:t>
+                      </a:r>
+                      <a:endParaRPr lang="en-US" altLang="ko-KR" sz="1200" b="0" i="0" u="none" strike="noStrike">
+                        <a:solidFill>
+                          <a:srgbClr val="000000"/>
+                        </a:solidFill>
+                        <a:effectLst/>
+                        <a:latin typeface="맑은 고딕" panose="020B0503020000020004" pitchFamily="50" charset="-127"/>
+                        <a:ea typeface="맑은 고딕" panose="020B0503020000020004" pitchFamily="50" charset="-127"/>
+                      </a:endParaRPr>
+                    </a:p>
+                  </a:txBody>
+                  <a:tcPr marL="9525" marR="9525" marT="9525" marB="0" anchor="ctr"/>
+                </a:tc>
+                <a:tc>
+                  <a:txBody>
+                    <a:bodyPr/>
+                    <a:lstStyle/>
+                    <a:p>
+                      <a:pPr algn="ctr" fontAlgn="ctr"/>
+                      <a:r>
+                        <a:rPr lang="en-US" altLang="ko-KR" sz="1200" u="none" strike="noStrike">
+                          <a:effectLst/>
+                        </a:rPr>
+                        <a:t>7.9254</a:t>
+                      </a:r>
+                      <a:endParaRPr lang="en-US" altLang="ko-KR" sz="1200" b="0" i="0" u="none" strike="noStrike">
+                        <a:solidFill>
+                          <a:srgbClr val="000000"/>
+                        </a:solidFill>
+                        <a:effectLst/>
+                        <a:latin typeface="맑은 고딕" panose="020B0503020000020004" pitchFamily="50" charset="-127"/>
+                        <a:ea typeface="맑은 고딕" panose="020B0503020000020004" pitchFamily="50" charset="-127"/>
+                      </a:endParaRPr>
+                    </a:p>
+                  </a:txBody>
+                  <a:tcPr marL="9525" marR="9525" marT="9525" marB="0" anchor="ctr"/>
+                </a:tc>
+                <a:extLst>
+                  <a:ext uri="{0D108BD9-81ED-4DB2-BD59-A6C34878D82A}">
+                    <a16:rowId xmlns:a16="http://schemas.microsoft.com/office/drawing/2014/main" val="3878523812"/>
+                  </a:ext>
+                </a:extLst>
+              </a:tr>
+              <a:tr h="219075">
+                <a:tc>
+                  <a:txBody>
+                    <a:bodyPr/>
+                    <a:lstStyle/>
+                    <a:p>
+                      <a:pPr algn="r" fontAlgn="ctr"/>
+                      <a:r>
+                        <a:rPr lang="en-US" altLang="ko-KR" sz="1200" u="none" strike="noStrike">
+                          <a:effectLst/>
+                        </a:rPr>
+                        <a:t>5</a:t>
+                      </a:r>
+                      <a:endParaRPr lang="en-US" altLang="ko-KR" sz="1200" b="0" i="0" u="none" strike="noStrike">
+                        <a:solidFill>
+                          <a:srgbClr val="000000"/>
+                        </a:solidFill>
+                        <a:effectLst/>
+                        <a:latin typeface="맑은 고딕" panose="020B0503020000020004" pitchFamily="50" charset="-127"/>
+                        <a:ea typeface="맑은 고딕" panose="020B0503020000020004" pitchFamily="50" charset="-127"/>
+                      </a:endParaRPr>
+                    </a:p>
+                  </a:txBody>
+                  <a:tcPr marL="9525" marR="9525" marT="9525" marB="0" anchor="ctr"/>
+                </a:tc>
+                <a:tc>
+                  <a:txBody>
+                    <a:bodyPr/>
+                    <a:lstStyle/>
+                    <a:p>
+                      <a:pPr algn="ctr" fontAlgn="ctr"/>
+                      <a:r>
+                        <a:rPr lang="en-US" altLang="ko-KR" sz="1200" u="none" strike="noStrike">
+                          <a:effectLst/>
+                        </a:rPr>
+                        <a:t>160000</a:t>
+                      </a:r>
+                      <a:endParaRPr lang="en-US" altLang="ko-KR" sz="1200" b="0" i="0" u="none" strike="noStrike">
+                        <a:solidFill>
+                          <a:srgbClr val="000000"/>
+                        </a:solidFill>
+                        <a:effectLst/>
+                        <a:latin typeface="맑은 고딕" panose="020B0503020000020004" pitchFamily="50" charset="-127"/>
+                        <a:ea typeface="맑은 고딕" panose="020B0503020000020004" pitchFamily="50" charset="-127"/>
+                      </a:endParaRPr>
+                    </a:p>
+                  </a:txBody>
+                  <a:tcPr marL="9525" marR="9525" marT="9525" marB="0" anchor="ctr"/>
+                </a:tc>
+                <a:tc>
+                  <a:txBody>
+                    <a:bodyPr/>
+                    <a:lstStyle/>
+                    <a:p>
+                      <a:pPr algn="ctr" fontAlgn="ctr"/>
+                      <a:r>
+                        <a:rPr lang="en-US" altLang="ko-KR" sz="1200" u="none" strike="noStrike">
+                          <a:effectLst/>
+                        </a:rPr>
+                        <a:t>8.3837</a:t>
+                      </a:r>
+                      <a:endParaRPr lang="en-US" altLang="ko-KR" sz="1200" b="0" i="0" u="none" strike="noStrike">
+                        <a:solidFill>
+                          <a:srgbClr val="000000"/>
+                        </a:solidFill>
+                        <a:effectLst/>
+                        <a:latin typeface="맑은 고딕" panose="020B0503020000020004" pitchFamily="50" charset="-127"/>
+                        <a:ea typeface="맑은 고딕" panose="020B0503020000020004" pitchFamily="50" charset="-127"/>
+                      </a:endParaRPr>
+                    </a:p>
+                  </a:txBody>
+                  <a:tcPr marL="9525" marR="9525" marT="9525" marB="0" anchor="ctr"/>
+                </a:tc>
+                <a:extLst>
+                  <a:ext uri="{0D108BD9-81ED-4DB2-BD59-A6C34878D82A}">
+                    <a16:rowId xmlns:a16="http://schemas.microsoft.com/office/drawing/2014/main" val="1248725850"/>
+                  </a:ext>
+                </a:extLst>
+              </a:tr>
+              <a:tr h="219075">
+                <a:tc>
+                  <a:txBody>
+                    <a:bodyPr/>
+                    <a:lstStyle/>
+                    <a:p>
+                      <a:pPr algn="r" fontAlgn="ctr"/>
+                      <a:r>
+                        <a:rPr lang="en-US" altLang="ko-KR" sz="1200" u="none" strike="noStrike">
+                          <a:effectLst/>
+                        </a:rPr>
+                        <a:t>6</a:t>
+                      </a:r>
+                      <a:endParaRPr lang="en-US" altLang="ko-KR" sz="1200" b="0" i="0" u="none" strike="noStrike">
+                        <a:solidFill>
+                          <a:srgbClr val="000000"/>
+                        </a:solidFill>
+                        <a:effectLst/>
+                        <a:latin typeface="맑은 고딕" panose="020B0503020000020004" pitchFamily="50" charset="-127"/>
+                        <a:ea typeface="맑은 고딕" panose="020B0503020000020004" pitchFamily="50" charset="-127"/>
+                      </a:endParaRPr>
+                    </a:p>
+                  </a:txBody>
+                  <a:tcPr marL="9525" marR="9525" marT="9525" marB="0" anchor="ctr"/>
+                </a:tc>
+                <a:tc>
+                  <a:txBody>
+                    <a:bodyPr/>
+                    <a:lstStyle/>
+                    <a:p>
+                      <a:pPr algn="ctr" fontAlgn="ctr"/>
+                      <a:r>
+                        <a:rPr lang="en-US" altLang="ko-KR" sz="1200" u="none" strike="noStrike">
+                          <a:effectLst/>
+                        </a:rPr>
+                        <a:t>90000</a:t>
+                      </a:r>
+                      <a:endParaRPr lang="en-US" altLang="ko-KR" sz="1200" b="0" i="0" u="none" strike="noStrike">
+                        <a:solidFill>
+                          <a:srgbClr val="000000"/>
+                        </a:solidFill>
+                        <a:effectLst/>
+                        <a:latin typeface="맑은 고딕" panose="020B0503020000020004" pitchFamily="50" charset="-127"/>
+                        <a:ea typeface="맑은 고딕" panose="020B0503020000020004" pitchFamily="50" charset="-127"/>
+                      </a:endParaRPr>
+                    </a:p>
+                  </a:txBody>
+                  <a:tcPr marL="9525" marR="9525" marT="9525" marB="0" anchor="ctr"/>
+                </a:tc>
+                <a:tc>
+                  <a:txBody>
+                    <a:bodyPr/>
+                    <a:lstStyle/>
+                    <a:p>
+                      <a:pPr algn="ctr" fontAlgn="ctr"/>
+                      <a:r>
+                        <a:rPr lang="en-US" altLang="ko-KR" sz="1200" u="none" strike="noStrike">
+                          <a:effectLst/>
+                        </a:rPr>
+                        <a:t>8.8306</a:t>
+                      </a:r>
+                      <a:endParaRPr lang="en-US" altLang="ko-KR" sz="1200" b="0" i="0" u="none" strike="noStrike">
+                        <a:solidFill>
+                          <a:srgbClr val="000000"/>
+                        </a:solidFill>
+                        <a:effectLst/>
+                        <a:latin typeface="맑은 고딕" panose="020B0503020000020004" pitchFamily="50" charset="-127"/>
+                        <a:ea typeface="맑은 고딕" panose="020B0503020000020004" pitchFamily="50" charset="-127"/>
+                      </a:endParaRPr>
+                    </a:p>
+                  </a:txBody>
+                  <a:tcPr marL="9525" marR="9525" marT="9525" marB="0" anchor="ctr"/>
+                </a:tc>
+                <a:extLst>
+                  <a:ext uri="{0D108BD9-81ED-4DB2-BD59-A6C34878D82A}">
+                    <a16:rowId xmlns:a16="http://schemas.microsoft.com/office/drawing/2014/main" val="4082194512"/>
+                  </a:ext>
+                </a:extLst>
+              </a:tr>
+              <a:tr h="219075">
+                <a:tc>
+                  <a:txBody>
+                    <a:bodyPr/>
+                    <a:lstStyle/>
+                    <a:p>
+                      <a:pPr algn="r" fontAlgn="ctr"/>
+                      <a:r>
+                        <a:rPr lang="en-US" altLang="ko-KR" sz="1200" u="none" strike="noStrike">
+                          <a:effectLst/>
+                        </a:rPr>
+                        <a:t>7</a:t>
+                      </a:r>
+                      <a:endParaRPr lang="en-US" altLang="ko-KR" sz="1200" b="0" i="0" u="none" strike="noStrike">
+                        <a:solidFill>
+                          <a:srgbClr val="000000"/>
+                        </a:solidFill>
+                        <a:effectLst/>
+                        <a:latin typeface="맑은 고딕" panose="020B0503020000020004" pitchFamily="50" charset="-127"/>
+                        <a:ea typeface="맑은 고딕" panose="020B0503020000020004" pitchFamily="50" charset="-127"/>
+                      </a:endParaRPr>
+                    </a:p>
+                  </a:txBody>
+                  <a:tcPr marL="9525" marR="9525" marT="9525" marB="0" anchor="ctr"/>
+                </a:tc>
+                <a:tc>
+                  <a:txBody>
+                    <a:bodyPr/>
+                    <a:lstStyle/>
+                    <a:p>
+                      <a:pPr algn="ctr" fontAlgn="ctr"/>
+                      <a:r>
+                        <a:rPr lang="en-US" altLang="ko-KR" sz="1200" u="none" strike="noStrike">
+                          <a:effectLst/>
+                        </a:rPr>
+                        <a:t>70000</a:t>
+                      </a:r>
+                      <a:endParaRPr lang="en-US" altLang="ko-KR" sz="1200" b="0" i="0" u="none" strike="noStrike">
+                        <a:solidFill>
+                          <a:srgbClr val="000000"/>
+                        </a:solidFill>
+                        <a:effectLst/>
+                        <a:latin typeface="맑은 고딕" panose="020B0503020000020004" pitchFamily="50" charset="-127"/>
+                        <a:ea typeface="맑은 고딕" panose="020B0503020000020004" pitchFamily="50" charset="-127"/>
+                      </a:endParaRPr>
+                    </a:p>
+                  </a:txBody>
+                  <a:tcPr marL="9525" marR="9525" marT="9525" marB="0" anchor="ctr"/>
+                </a:tc>
+                <a:tc>
+                  <a:txBody>
+                    <a:bodyPr/>
+                    <a:lstStyle/>
+                    <a:p>
+                      <a:pPr algn="ctr" fontAlgn="ctr"/>
+                      <a:r>
+                        <a:rPr lang="en-US" altLang="ko-KR" sz="1200" u="none" strike="noStrike">
+                          <a:effectLst/>
+                        </a:rPr>
+                        <a:t>8.836</a:t>
+                      </a:r>
+                      <a:endParaRPr lang="en-US" altLang="ko-KR" sz="1200" b="0" i="0" u="none" strike="noStrike">
+                        <a:solidFill>
+                          <a:srgbClr val="000000"/>
+                        </a:solidFill>
+                        <a:effectLst/>
+                        <a:latin typeface="맑은 고딕" panose="020B0503020000020004" pitchFamily="50" charset="-127"/>
+                        <a:ea typeface="맑은 고딕" panose="020B0503020000020004" pitchFamily="50" charset="-127"/>
+                      </a:endParaRPr>
+                    </a:p>
+                  </a:txBody>
+                  <a:tcPr marL="9525" marR="9525" marT="9525" marB="0" anchor="ctr"/>
+                </a:tc>
+                <a:extLst>
+                  <a:ext uri="{0D108BD9-81ED-4DB2-BD59-A6C34878D82A}">
+                    <a16:rowId xmlns:a16="http://schemas.microsoft.com/office/drawing/2014/main" val="3884372207"/>
+                  </a:ext>
+                </a:extLst>
+              </a:tr>
+              <a:tr h="219075">
+                <a:tc>
+                  <a:txBody>
+                    <a:bodyPr/>
+                    <a:lstStyle/>
+                    <a:p>
+                      <a:pPr algn="r" fontAlgn="ctr"/>
+                      <a:r>
+                        <a:rPr lang="en-US" altLang="ko-KR" sz="1200" u="none" strike="noStrike">
+                          <a:effectLst/>
+                        </a:rPr>
+                        <a:t>9</a:t>
+                      </a:r>
+                      <a:endParaRPr lang="en-US" altLang="ko-KR" sz="1200" b="0" i="0" u="none" strike="noStrike">
+                        <a:solidFill>
+                          <a:srgbClr val="000000"/>
+                        </a:solidFill>
+                        <a:effectLst/>
+                        <a:latin typeface="맑은 고딕" panose="020B0503020000020004" pitchFamily="50" charset="-127"/>
+                        <a:ea typeface="맑은 고딕" panose="020B0503020000020004" pitchFamily="50" charset="-127"/>
+                      </a:endParaRPr>
+                    </a:p>
+                  </a:txBody>
+                  <a:tcPr marL="9525" marR="9525" marT="9525" marB="0" anchor="ctr"/>
+                </a:tc>
+                <a:tc>
+                  <a:txBody>
+                    <a:bodyPr/>
+                    <a:lstStyle/>
+                    <a:p>
+                      <a:pPr algn="ctr" fontAlgn="ctr"/>
+                      <a:r>
+                        <a:rPr lang="en-US" altLang="ko-KR" sz="1200" u="none" strike="noStrike">
+                          <a:effectLst/>
+                        </a:rPr>
+                        <a:t>50000</a:t>
+                      </a:r>
+                      <a:endParaRPr lang="en-US" altLang="ko-KR" sz="1200" b="0" i="0" u="none" strike="noStrike">
+                        <a:solidFill>
+                          <a:srgbClr val="000000"/>
+                        </a:solidFill>
+                        <a:effectLst/>
+                        <a:latin typeface="맑은 고딕" panose="020B0503020000020004" pitchFamily="50" charset="-127"/>
+                        <a:ea typeface="맑은 고딕" panose="020B0503020000020004" pitchFamily="50" charset="-127"/>
+                      </a:endParaRPr>
+                    </a:p>
+                  </a:txBody>
+                  <a:tcPr marL="9525" marR="9525" marT="9525" marB="0" anchor="ctr"/>
+                </a:tc>
+                <a:tc>
+                  <a:txBody>
+                    <a:bodyPr/>
+                    <a:lstStyle/>
+                    <a:p>
+                      <a:pPr algn="ctr" fontAlgn="ctr"/>
+                      <a:r>
+                        <a:rPr lang="en-US" altLang="ko-KR" sz="1200" u="none" strike="noStrike">
+                          <a:effectLst/>
+                        </a:rPr>
+                        <a:t>9.531</a:t>
+                      </a:r>
+                      <a:endParaRPr lang="en-US" altLang="ko-KR" sz="1200" b="0" i="0" u="none" strike="noStrike">
+                        <a:solidFill>
+                          <a:srgbClr val="000000"/>
+                        </a:solidFill>
+                        <a:effectLst/>
+                        <a:latin typeface="맑은 고딕" panose="020B0503020000020004" pitchFamily="50" charset="-127"/>
+                        <a:ea typeface="맑은 고딕" panose="020B0503020000020004" pitchFamily="50" charset="-127"/>
+                      </a:endParaRPr>
+                    </a:p>
+                  </a:txBody>
+                  <a:tcPr marL="9525" marR="9525" marT="9525" marB="0" anchor="ctr"/>
+                </a:tc>
+                <a:extLst>
+                  <a:ext uri="{0D108BD9-81ED-4DB2-BD59-A6C34878D82A}">
+                    <a16:rowId xmlns:a16="http://schemas.microsoft.com/office/drawing/2014/main" val="3847642346"/>
+                  </a:ext>
+                </a:extLst>
+              </a:tr>
+              <a:tr h="219075">
+                <a:tc>
+                  <a:txBody>
+                    <a:bodyPr/>
+                    <a:lstStyle/>
+                    <a:p>
+                      <a:pPr algn="r" fontAlgn="ctr"/>
+                      <a:r>
+                        <a:rPr lang="en-US" altLang="ko-KR" sz="1200" u="none" strike="noStrike">
+                          <a:effectLst/>
+                        </a:rPr>
+                        <a:t>10</a:t>
+                      </a:r>
+                      <a:endParaRPr lang="en-US" altLang="ko-KR" sz="1200" b="0" i="0" u="none" strike="noStrike">
+                        <a:solidFill>
+                          <a:srgbClr val="000000"/>
+                        </a:solidFill>
+                        <a:effectLst/>
+                        <a:latin typeface="맑은 고딕" panose="020B0503020000020004" pitchFamily="50" charset="-127"/>
+                        <a:ea typeface="맑은 고딕" panose="020B0503020000020004" pitchFamily="50" charset="-127"/>
+                      </a:endParaRPr>
+                    </a:p>
+                  </a:txBody>
+                  <a:tcPr marL="9525" marR="9525" marT="9525" marB="0" anchor="ctr"/>
+                </a:tc>
+                <a:tc>
+                  <a:txBody>
+                    <a:bodyPr/>
+                    <a:lstStyle/>
+                    <a:p>
+                      <a:pPr algn="ctr" fontAlgn="ctr"/>
+                      <a:r>
+                        <a:rPr lang="en-US" altLang="ko-KR" sz="1200" u="none" strike="noStrike">
+                          <a:effectLst/>
+                        </a:rPr>
+                        <a:t>30000</a:t>
+                      </a:r>
+                      <a:endParaRPr lang="en-US" altLang="ko-KR" sz="1200" b="0" i="0" u="none" strike="noStrike">
+                        <a:solidFill>
+                          <a:srgbClr val="000000"/>
+                        </a:solidFill>
+                        <a:effectLst/>
+                        <a:latin typeface="맑은 고딕" panose="020B0503020000020004" pitchFamily="50" charset="-127"/>
+                        <a:ea typeface="맑은 고딕" panose="020B0503020000020004" pitchFamily="50" charset="-127"/>
+                      </a:endParaRPr>
+                    </a:p>
+                  </a:txBody>
+                  <a:tcPr marL="9525" marR="9525" marT="9525" marB="0" anchor="ctr"/>
+                </a:tc>
+                <a:tc>
+                  <a:txBody>
+                    <a:bodyPr/>
+                    <a:lstStyle/>
+                    <a:p>
+                      <a:pPr algn="ctr" rtl="0" fontAlgn="ctr"/>
+                      <a:r>
+                        <a:rPr lang="en-US" altLang="ko-KR" sz="1200" u="none" strike="noStrike">
+                          <a:effectLst/>
+                        </a:rPr>
+                        <a:t>10.8871</a:t>
+                      </a:r>
+                      <a:endParaRPr lang="en-US" altLang="ko-KR" sz="1200" b="0" i="0" u="none" strike="noStrike">
+                        <a:solidFill>
+                          <a:srgbClr val="000000"/>
+                        </a:solidFill>
+                        <a:effectLst/>
+                        <a:latin typeface="맑은 고딕" panose="020B0503020000020004" pitchFamily="50" charset="-127"/>
+                        <a:ea typeface="맑은 고딕" panose="020B0503020000020004" pitchFamily="50" charset="-127"/>
+                      </a:endParaRPr>
+                    </a:p>
+                  </a:txBody>
+                  <a:tcPr marL="9525" marR="9525" marT="9525" marB="0" anchor="ctr"/>
+                </a:tc>
+                <a:extLst>
+                  <a:ext uri="{0D108BD9-81ED-4DB2-BD59-A6C34878D82A}">
+                    <a16:rowId xmlns:a16="http://schemas.microsoft.com/office/drawing/2014/main" val="356722389"/>
+                  </a:ext>
+                </a:extLst>
+              </a:tr>
+              <a:tr h="219075">
+                <a:tc>
+                  <a:txBody>
+                    <a:bodyPr/>
+                    <a:lstStyle/>
+                    <a:p>
+                      <a:pPr algn="r" fontAlgn="ctr"/>
+                      <a:r>
+                        <a:rPr lang="en-US" altLang="ko-KR" sz="1200" u="none" strike="noStrike">
+                          <a:effectLst/>
+                        </a:rPr>
+                        <a:t>11</a:t>
+                      </a:r>
+                      <a:endParaRPr lang="en-US" altLang="ko-KR" sz="1200" b="0" i="0" u="none" strike="noStrike">
+                        <a:solidFill>
+                          <a:srgbClr val="000000"/>
+                        </a:solidFill>
+                        <a:effectLst/>
+                        <a:latin typeface="맑은 고딕" panose="020B0503020000020004" pitchFamily="50" charset="-127"/>
+                        <a:ea typeface="맑은 고딕" panose="020B0503020000020004" pitchFamily="50" charset="-127"/>
+                      </a:endParaRPr>
+                    </a:p>
+                  </a:txBody>
+                  <a:tcPr marL="9525" marR="9525" marT="9525" marB="0" anchor="ctr"/>
+                </a:tc>
+                <a:tc>
+                  <a:txBody>
+                    <a:bodyPr/>
+                    <a:lstStyle/>
+                    <a:p>
+                      <a:pPr algn="ctr" fontAlgn="ctr"/>
+                      <a:r>
+                        <a:rPr lang="en-US" altLang="ko-KR" sz="1200" u="none" strike="noStrike">
+                          <a:effectLst/>
+                        </a:rPr>
+                        <a:t>20000</a:t>
+                      </a:r>
+                      <a:endParaRPr lang="en-US" altLang="ko-KR" sz="1200" b="0" i="0" u="none" strike="noStrike">
+                        <a:solidFill>
+                          <a:srgbClr val="000000"/>
+                        </a:solidFill>
+                        <a:effectLst/>
+                        <a:latin typeface="맑은 고딕" panose="020B0503020000020004" pitchFamily="50" charset="-127"/>
+                        <a:ea typeface="맑은 고딕" panose="020B0503020000020004" pitchFamily="50" charset="-127"/>
+                      </a:endParaRPr>
+                    </a:p>
+                  </a:txBody>
+                  <a:tcPr marL="9525" marR="9525" marT="9525" marB="0" anchor="ctr"/>
+                </a:tc>
+                <a:tc>
+                  <a:txBody>
+                    <a:bodyPr/>
+                    <a:lstStyle/>
+                    <a:p>
+                      <a:pPr algn="ctr" fontAlgn="ctr"/>
+                      <a:r>
+                        <a:rPr lang="en-US" altLang="ko-KR" sz="1200" u="none" strike="noStrike">
+                          <a:effectLst/>
+                        </a:rPr>
+                        <a:t>12.8166</a:t>
+                      </a:r>
+                      <a:endParaRPr lang="en-US" altLang="ko-KR" sz="1200" b="0" i="0" u="none" strike="noStrike">
+                        <a:solidFill>
+                          <a:srgbClr val="000000"/>
+                        </a:solidFill>
+                        <a:effectLst/>
+                        <a:latin typeface="맑은 고딕" panose="020B0503020000020004" pitchFamily="50" charset="-127"/>
+                        <a:ea typeface="맑은 고딕" panose="020B0503020000020004" pitchFamily="50" charset="-127"/>
+                      </a:endParaRPr>
+                    </a:p>
+                  </a:txBody>
+                  <a:tcPr marL="9525" marR="9525" marT="9525" marB="0" anchor="ctr"/>
+                </a:tc>
+                <a:extLst>
+                  <a:ext uri="{0D108BD9-81ED-4DB2-BD59-A6C34878D82A}">
+                    <a16:rowId xmlns:a16="http://schemas.microsoft.com/office/drawing/2014/main" val="2920462853"/>
+                  </a:ext>
+                </a:extLst>
+              </a:tr>
+              <a:tr h="219075">
+                <a:tc>
+                  <a:txBody>
+                    <a:bodyPr/>
+                    <a:lstStyle/>
+                    <a:p>
+                      <a:pPr algn="r" fontAlgn="ctr"/>
+                      <a:r>
+                        <a:rPr lang="en-US" altLang="ko-KR" sz="1200" u="none" strike="noStrike">
+                          <a:effectLst/>
+                        </a:rPr>
+                        <a:t>12</a:t>
+                      </a:r>
+                      <a:endParaRPr lang="en-US" altLang="ko-KR" sz="1200" b="0" i="0" u="none" strike="noStrike">
+                        <a:solidFill>
+                          <a:srgbClr val="000000"/>
+                        </a:solidFill>
+                        <a:effectLst/>
+                        <a:latin typeface="맑은 고딕" panose="020B0503020000020004" pitchFamily="50" charset="-127"/>
+                        <a:ea typeface="맑은 고딕" panose="020B0503020000020004" pitchFamily="50" charset="-127"/>
+                      </a:endParaRPr>
+                    </a:p>
+                  </a:txBody>
+                  <a:tcPr marL="9525" marR="9525" marT="9525" marB="0" anchor="ctr"/>
+                </a:tc>
+                <a:tc>
+                  <a:txBody>
+                    <a:bodyPr/>
+                    <a:lstStyle/>
+                    <a:p>
+                      <a:pPr algn="ctr" fontAlgn="ctr"/>
+                      <a:r>
+                        <a:rPr lang="en-US" altLang="ko-KR" sz="1200" u="none" strike="noStrike">
+                          <a:effectLst/>
+                        </a:rPr>
+                        <a:t>18000</a:t>
+                      </a:r>
+                      <a:endParaRPr lang="en-US" altLang="ko-KR" sz="1200" b="0" i="0" u="none" strike="noStrike">
+                        <a:solidFill>
+                          <a:srgbClr val="000000"/>
+                        </a:solidFill>
+                        <a:effectLst/>
+                        <a:latin typeface="맑은 고딕" panose="020B0503020000020004" pitchFamily="50" charset="-127"/>
+                        <a:ea typeface="맑은 고딕" panose="020B0503020000020004" pitchFamily="50" charset="-127"/>
+                      </a:endParaRPr>
+                    </a:p>
+                  </a:txBody>
+                  <a:tcPr marL="9525" marR="9525" marT="9525" marB="0" anchor="ctr"/>
+                </a:tc>
+                <a:tc>
+                  <a:txBody>
+                    <a:bodyPr/>
+                    <a:lstStyle/>
+                    <a:p>
+                      <a:pPr algn="ctr" rtl="0" fontAlgn="ctr"/>
+                      <a:r>
+                        <a:rPr lang="en-US" altLang="ko-KR" sz="1200" u="none" strike="noStrike">
+                          <a:effectLst/>
+                        </a:rPr>
+                        <a:t>14.746</a:t>
+                      </a:r>
+                      <a:endParaRPr lang="en-US" altLang="ko-KR" sz="1200" b="0" i="0" u="none" strike="noStrike">
+                        <a:solidFill>
+                          <a:srgbClr val="000000"/>
+                        </a:solidFill>
+                        <a:effectLst/>
+                        <a:latin typeface="맑은 고딕" panose="020B0503020000020004" pitchFamily="50" charset="-127"/>
+                        <a:ea typeface="맑은 고딕" panose="020B0503020000020004" pitchFamily="50" charset="-127"/>
+                      </a:endParaRPr>
+                    </a:p>
+                  </a:txBody>
+                  <a:tcPr marL="9525" marR="9525" marT="9525" marB="0" anchor="ctr"/>
+                </a:tc>
+                <a:extLst>
+                  <a:ext uri="{0D108BD9-81ED-4DB2-BD59-A6C34878D82A}">
+                    <a16:rowId xmlns:a16="http://schemas.microsoft.com/office/drawing/2014/main" val="3711681600"/>
+                  </a:ext>
+                </a:extLst>
+              </a:tr>
+              <a:tr h="219075">
+                <a:tc>
+                  <a:txBody>
+                    <a:bodyPr/>
+                    <a:lstStyle/>
+                    <a:p>
+                      <a:pPr algn="r" fontAlgn="ctr"/>
+                      <a:r>
+                        <a:rPr lang="en-US" altLang="ko-KR" sz="1200" u="none" strike="noStrike">
+                          <a:effectLst/>
+                        </a:rPr>
+                        <a:t>13</a:t>
+                      </a:r>
+                      <a:endParaRPr lang="en-US" altLang="ko-KR" sz="1200" b="0" i="0" u="none" strike="noStrike">
+                        <a:solidFill>
+                          <a:srgbClr val="000000"/>
+                        </a:solidFill>
+                        <a:effectLst/>
+                        <a:latin typeface="맑은 고딕" panose="020B0503020000020004" pitchFamily="50" charset="-127"/>
+                        <a:ea typeface="맑은 고딕" panose="020B0503020000020004" pitchFamily="50" charset="-127"/>
+                      </a:endParaRPr>
+                    </a:p>
+                  </a:txBody>
+                  <a:tcPr marL="9525" marR="9525" marT="9525" marB="0" anchor="ctr"/>
+                </a:tc>
+                <a:tc>
+                  <a:txBody>
+                    <a:bodyPr/>
+                    <a:lstStyle/>
+                    <a:p>
+                      <a:pPr algn="ctr" fontAlgn="ctr"/>
+                      <a:r>
+                        <a:rPr lang="en-US" altLang="ko-KR" sz="1200" u="none" strike="noStrike">
+                          <a:effectLst/>
+                        </a:rPr>
+                        <a:t>14000</a:t>
+                      </a:r>
+                      <a:endParaRPr lang="en-US" altLang="ko-KR" sz="1200" b="0" i="0" u="none" strike="noStrike">
+                        <a:solidFill>
+                          <a:srgbClr val="000000"/>
+                        </a:solidFill>
+                        <a:effectLst/>
+                        <a:latin typeface="맑은 고딕" panose="020B0503020000020004" pitchFamily="50" charset="-127"/>
+                        <a:ea typeface="맑은 고딕" panose="020B0503020000020004" pitchFamily="50" charset="-127"/>
+                      </a:endParaRPr>
+                    </a:p>
+                  </a:txBody>
+                  <a:tcPr marL="9525" marR="9525" marT="9525" marB="0" anchor="ctr"/>
+                </a:tc>
+                <a:tc>
+                  <a:txBody>
+                    <a:bodyPr/>
+                    <a:lstStyle/>
+                    <a:p>
+                      <a:pPr algn="ctr" rtl="0" fontAlgn="ctr"/>
+                      <a:r>
+                        <a:rPr lang="en-US" altLang="ko-KR" sz="1200" u="none" strike="noStrike">
+                          <a:effectLst/>
+                        </a:rPr>
+                        <a:t>16.103</a:t>
+                      </a:r>
+                      <a:endParaRPr lang="en-US" altLang="ko-KR" sz="1200" b="0" i="0" u="none" strike="noStrike">
+                        <a:solidFill>
+                          <a:srgbClr val="000000"/>
+                        </a:solidFill>
+                        <a:effectLst/>
+                        <a:latin typeface="맑은 고딕" panose="020B0503020000020004" pitchFamily="50" charset="-127"/>
+                        <a:ea typeface="맑은 고딕" panose="020B0503020000020004" pitchFamily="50" charset="-127"/>
+                      </a:endParaRPr>
+                    </a:p>
+                  </a:txBody>
+                  <a:tcPr marL="9525" marR="9525" marT="9525" marB="0" anchor="ctr"/>
+                </a:tc>
+                <a:extLst>
+                  <a:ext uri="{0D108BD9-81ED-4DB2-BD59-A6C34878D82A}">
+                    <a16:rowId xmlns:a16="http://schemas.microsoft.com/office/drawing/2014/main" val="2849567188"/>
+                  </a:ext>
+                </a:extLst>
+              </a:tr>
+              <a:tr h="219075">
+                <a:tc>
+                  <a:txBody>
+                    <a:bodyPr/>
+                    <a:lstStyle/>
+                    <a:p>
+                      <a:pPr algn="r" fontAlgn="ctr"/>
+                      <a:r>
+                        <a:rPr lang="en-US" altLang="ko-KR" sz="1200" u="none" strike="noStrike">
+                          <a:effectLst/>
+                        </a:rPr>
+                        <a:t>14</a:t>
+                      </a:r>
+                      <a:endParaRPr lang="en-US" altLang="ko-KR" sz="1200" b="0" i="0" u="none" strike="noStrike">
+                        <a:solidFill>
+                          <a:srgbClr val="000000"/>
+                        </a:solidFill>
+                        <a:effectLst/>
+                        <a:latin typeface="맑은 고딕" panose="020B0503020000020004" pitchFamily="50" charset="-127"/>
+                        <a:ea typeface="맑은 고딕" panose="020B0503020000020004" pitchFamily="50" charset="-127"/>
+                      </a:endParaRPr>
+                    </a:p>
+                  </a:txBody>
+                  <a:tcPr marL="9525" marR="9525" marT="9525" marB="0" anchor="ctr"/>
+                </a:tc>
+                <a:tc>
+                  <a:txBody>
+                    <a:bodyPr/>
+                    <a:lstStyle/>
+                    <a:p>
+                      <a:pPr algn="ctr" fontAlgn="ctr"/>
+                      <a:r>
+                        <a:rPr lang="en-US" altLang="ko-KR" sz="1200" u="none" strike="noStrike">
+                          <a:effectLst/>
+                        </a:rPr>
+                        <a:t>10000</a:t>
+                      </a:r>
+                      <a:endParaRPr lang="en-US" altLang="ko-KR" sz="1200" b="0" i="0" u="none" strike="noStrike">
+                        <a:solidFill>
+                          <a:srgbClr val="000000"/>
+                        </a:solidFill>
+                        <a:effectLst/>
+                        <a:latin typeface="맑은 고딕" panose="020B0503020000020004" pitchFamily="50" charset="-127"/>
+                        <a:ea typeface="맑은 고딕" panose="020B0503020000020004" pitchFamily="50" charset="-127"/>
+                      </a:endParaRPr>
+                    </a:p>
+                  </a:txBody>
+                  <a:tcPr marL="9525" marR="9525" marT="9525" marB="0" anchor="ctr"/>
+                </a:tc>
+                <a:tc>
+                  <a:txBody>
+                    <a:bodyPr/>
+                    <a:lstStyle/>
+                    <a:p>
+                      <a:pPr algn="ctr" fontAlgn="ctr"/>
+                      <a:r>
+                        <a:rPr lang="en-US" altLang="ko-KR" sz="1200" u="none" strike="noStrike" dirty="0">
+                          <a:effectLst/>
+                        </a:rPr>
+                        <a:t>17.46</a:t>
+                      </a:r>
+                      <a:endParaRPr lang="en-US" altLang="ko-KR" sz="1200" b="0" i="0" u="none" strike="noStrike" dirty="0">
+                        <a:solidFill>
+                          <a:srgbClr val="000000"/>
+                        </a:solidFill>
+                        <a:effectLst/>
+                        <a:latin typeface="맑은 고딕" panose="020B0503020000020004" pitchFamily="50" charset="-127"/>
+                        <a:ea typeface="맑은 고딕" panose="020B0503020000020004" pitchFamily="50" charset="-127"/>
+                      </a:endParaRPr>
+                    </a:p>
+                  </a:txBody>
+                  <a:tcPr marL="9525" marR="9525" marT="9525" marB="0" anchor="ctr"/>
+                </a:tc>
+                <a:extLst>
+                  <a:ext uri="{0D108BD9-81ED-4DB2-BD59-A6C34878D82A}">
+                    <a16:rowId xmlns:a16="http://schemas.microsoft.com/office/drawing/2014/main" val="2267710210"/>
+                  </a:ext>
+                </a:extLst>
+              </a:tr>
+            </a:tbl>
+          </a:graphicData>
+        </a:graphic>
+      </p:graphicFrame>
+      <p:pic>
+        <p:nvPicPr>
+          <p:cNvPr id="7" name="그림 6">
+            <a:extLst>
+              <a:ext uri="{FF2B5EF4-FFF2-40B4-BE49-F238E27FC236}">
+                <a16:creationId xmlns:a16="http://schemas.microsoft.com/office/drawing/2014/main" id="{6654C1CA-4F63-8321-7766-6EA8824C5965}"/>
+              </a:ext>
+            </a:extLst>
+          </p:cNvPr>
+          <p:cNvPicPr>
+            <a:picLocks noChangeAspect="1"/>
+          </p:cNvPicPr>
+          <p:nvPr/>
+        </p:nvPicPr>
+        <p:blipFill>
+          <a:blip r:embed="rId2">
+            <a:extLst>
+              <a:ext uri="{28A0092B-C50C-407E-A947-70E740481C1C}">
+                <a14:useLocalDpi xmlns:a14="http://schemas.microsoft.com/office/drawing/2010/main" val="0"/>
+              </a:ext>
+            </a:extLst>
+          </a:blip>
+          <a:stretch>
+            <a:fillRect/>
+          </a:stretch>
+        </p:blipFill>
+        <p:spPr>
+          <a:xfrm>
+            <a:off x="5396119" y="581026"/>
+            <a:ext cx="4177608" cy="3215912"/>
+          </a:xfrm>
+          <a:prstGeom prst="rect">
+            <a:avLst/>
+          </a:prstGeom>
+        </p:spPr>
+      </p:pic>
+    </p:spTree>
+    <p:extLst>
+      <p:ext uri="{BB962C8B-B14F-4D97-AF65-F5344CB8AC3E}">
+        <p14:creationId xmlns:p14="http://schemas.microsoft.com/office/powerpoint/2010/main" val="2207045470"/>
+      </p:ext>
+    </p:extLst>
+  </p:cSld>
+  <p:clrMapOvr>
+    <a:masterClrMapping/>
+  </p:clrMapOvr>
+</p:sld>
+</file>
+
 <file path=ppt/theme/theme1.xml><?xml version="1.0" encoding="utf-8"?>
 <a:theme xmlns:a="http://schemas.openxmlformats.org/drawingml/2006/main" name="Office 테마">
   <a:themeElements>
